--- a/SYP-_Prasi_1.pptx
+++ b/SYP-_Prasi_1.pptx
@@ -16135,12 +16135,49 @@
           </a:p>
         </p:txBody>
       </p:sp>
+      <p:sp>
+        <p:nvSpPr>
+          <p:cNvPr id="3" name="Rechteck 2">
+            <a:extLst>
+              <a:ext uri="{FF2B5EF4-FFF2-40B4-BE49-F238E27FC236}">
+                <a16:creationId xmlns:a16="http://schemas.microsoft.com/office/drawing/2014/main" id="{E5577DE7-4FBF-436F-AC03-BD1D789F9069}"/>
+              </a:ext>
+            </a:extLst>
+          </p:cNvPr>
+          <p:cNvSpPr/>
+          <p:nvPr/>
+        </p:nvSpPr>
+        <p:spPr>
+          <a:xfrm>
+            <a:off x="3048000" y="3105835"/>
+            <a:ext cx="6096000" cy="646331"/>
+          </a:xfrm>
+          <a:prstGeom prst="rect">
+            <a:avLst/>
+          </a:prstGeom>
+        </p:spPr>
+        <p:txBody>
+          <a:bodyPr>
+            <a:spAutoFit/>
+          </a:bodyPr>
+          <a:lstStyle/>
+          <a:p>
+            <a:endParaRPr lang="en-US" dirty="0"/>
+          </a:p>
+          <a:p>
+            <a:r>
+              <a:rPr lang="en-US" dirty="0"/>
+              <a:t>http://localhost:5000/		</a:t>
+            </a:r>
+          </a:p>
+        </p:txBody>
+      </p:sp>
       <p:pic>
         <p:nvPicPr>
-          <p:cNvPr id="8" name="Grafik 7">
-            <a:extLst>
-              <a:ext uri="{FF2B5EF4-FFF2-40B4-BE49-F238E27FC236}">
-                <a16:creationId xmlns:a16="http://schemas.microsoft.com/office/drawing/2014/main" id="{566D60AC-FE73-48FE-972E-4F8B1D0A3DF4}"/>
+          <p:cNvPr id="9" name="Grafik 8" descr="Ein Bild, das Bildschirm, Gebäude, Uhr enthält.&#10;&#10;Automatisch generierte Beschreibung">
+            <a:extLst>
+              <a:ext uri="{FF2B5EF4-FFF2-40B4-BE49-F238E27FC236}">
+                <a16:creationId xmlns:a16="http://schemas.microsoft.com/office/drawing/2014/main" id="{4A785C46-240D-4601-A7B5-BEA6AAAA53F2}"/>
               </a:ext>
             </a:extLst>
           </p:cNvPr>
@@ -16158,7 +16195,7 @@
         <p:spPr>
           <a:xfrm>
             <a:off x="0" y="0"/>
-            <a:ext cx="12192000" cy="6858000"/>
+            <a:ext cx="12192000" cy="6857999"/>
           </a:xfrm>
           <a:prstGeom prst="rect">
             <a:avLst/>
@@ -18703,12 +18740,6 @@
 </file>
 
 <file path=customXml/item1.xml><?xml version="1.0" encoding="utf-8"?>
-<p:properties xmlns:p="http://schemas.microsoft.com/office/2006/metadata/properties" xmlns:xsi="http://www.w3.org/2001/XMLSchema-instance" xmlns:pc="http://schemas.microsoft.com/office/infopath/2007/PartnerControls">
-  <documentManagement/>
-</p:properties>
-</file>
-
-<file path=customXml/item2.xml><?xml version="1.0" encoding="utf-8"?>
 <ct:contentTypeSchema xmlns:ct="http://schemas.microsoft.com/office/2006/metadata/contentType" xmlns:ma="http://schemas.microsoft.com/office/2006/metadata/properties/metaAttributes" ct:_="" ma:_="" ma:contentTypeName="Dokument" ma:contentTypeID="0x0101000C0DF292CBD37A45BDB92E0A283F8FF9" ma:contentTypeVersion="10" ma:contentTypeDescription="Ein neues Dokument erstellen." ma:contentTypeScope="" ma:versionID="16d96a7330c3dd068266531104c3f3c4">
   <xsd:schema xmlns:xsd="http://www.w3.org/2001/XMLSchema" xmlns:xs="http://www.w3.org/2001/XMLSchema" xmlns:p="http://schemas.microsoft.com/office/2006/metadata/properties" xmlns:ns3="c2d3d569-9e62-4598-a009-022054453c0b" targetNamespace="http://schemas.microsoft.com/office/2006/metadata/properties" ma:root="true" ma:fieldsID="2eed2521d16c83da7b4205d464b9305e" ns3:_="">
     <xsd:import namespace="c2d3d569-9e62-4598-a009-022054453c0b"/>
@@ -18892,6 +18923,12 @@
 </ct:contentTypeSchema>
 </file>
 
+<file path=customXml/item2.xml><?xml version="1.0" encoding="utf-8"?>
+<p:properties xmlns:p="http://schemas.microsoft.com/office/2006/metadata/properties" xmlns:xsi="http://www.w3.org/2001/XMLSchema-instance" xmlns:pc="http://schemas.microsoft.com/office/infopath/2007/PartnerControls">
+  <documentManagement/>
+</p:properties>
+</file>
+
 <file path=customXml/item3.xml><?xml version="1.0" encoding="utf-8"?>
 <?mso-contentType ?>
 <FormTemplates xmlns="http://schemas.microsoft.com/sharepoint/v3/contenttype/forms">
@@ -18902,15 +18939,6 @@
 </file>
 
 <file path=customXml/itemProps1.xml><?xml version="1.0" encoding="utf-8"?>
-<ds:datastoreItem xmlns:ds="http://schemas.openxmlformats.org/officeDocument/2006/customXml" ds:itemID="{947A0EF5-23A9-4627-BC46-745B7DD804D2}">
-  <ds:schemaRefs>
-    <ds:schemaRef ds:uri="http://schemas.microsoft.com/office/2006/metadata/properties"/>
-    <ds:schemaRef ds:uri="http://schemas.microsoft.com/office/infopath/2007/PartnerControls"/>
-  </ds:schemaRefs>
-</ds:datastoreItem>
-</file>
-
-<file path=customXml/itemProps2.xml><?xml version="1.0" encoding="utf-8"?>
 <ds:datastoreItem xmlns:ds="http://schemas.openxmlformats.org/officeDocument/2006/customXml" ds:itemID="{13A0122E-7A7E-4B64-80A0-5A2A48F2C8F3}">
   <ds:schemaRefs>
     <ds:schemaRef ds:uri="http://schemas.microsoft.com/office/2006/metadata/contentType"/>
@@ -18928,6 +18956,15 @@
 </ds:datastoreItem>
 </file>
 
+<file path=customXml/itemProps2.xml><?xml version="1.0" encoding="utf-8"?>
+<ds:datastoreItem xmlns:ds="http://schemas.openxmlformats.org/officeDocument/2006/customXml" ds:itemID="{947A0EF5-23A9-4627-BC46-745B7DD804D2}">
+  <ds:schemaRefs>
+    <ds:schemaRef ds:uri="http://schemas.microsoft.com/office/2006/metadata/properties"/>
+    <ds:schemaRef ds:uri="http://schemas.microsoft.com/office/infopath/2007/PartnerControls"/>
+  </ds:schemaRefs>
+</ds:datastoreItem>
+</file>
+
 <file path=customXml/itemProps3.xml><?xml version="1.0" encoding="utf-8"?>
 <ds:datastoreItem xmlns:ds="http://schemas.openxmlformats.org/officeDocument/2006/customXml" ds:itemID="{8C5154C8-4BB5-43F2-9F6C-5E79271A0D50}">
   <ds:schemaRefs>
